--- a/02_Presentation/0201_Intermediate/Intermediate_Semesterthesis_v2.pptx
+++ b/02_Presentation/0201_Intermediate/Intermediate_Semesterthesis_v2.pptx
@@ -370,7 +370,7 @@
     </p:spTree>
     <p:extLst>
       <p:ext uri="{BB962C8B-B14F-4D97-AF65-F5344CB8AC3E}">
-        <p14:creationId xmlns:p14="http://schemas.microsoft.com/office/powerpoint/2010/main" xmlns="" val="277359971"/>
+        <p14:creationId xmlns="" xmlns:p14="http://schemas.microsoft.com/office/powerpoint/2010/main" val="277359971"/>
       </p:ext>
     </p:extLst>
   </p:cSld>
@@ -1271,7 +1271,7 @@
           <a:blip r:embed="rId2">
             <a:extLst>
               <a:ext uri="{28A0092B-C50C-407E-A947-70E740481C1C}">
-                <a14:useLocalDpi xmlns:a14="http://schemas.microsoft.com/office/drawing/2010/main" xmlns="" val="0"/>
+                <a14:useLocalDpi xmlns="" xmlns:a14="http://schemas.microsoft.com/office/drawing/2010/main" val="0"/>
               </a:ext>
             </a:extLst>
           </a:blip>
@@ -1336,7 +1336,7 @@
     </p:spTree>
     <p:extLst>
       <p:ext uri="{BB962C8B-B14F-4D97-AF65-F5344CB8AC3E}">
-        <p14:creationId xmlns:p14="http://schemas.microsoft.com/office/powerpoint/2010/main" xmlns="" val="826009964"/>
+        <p14:creationId xmlns="" xmlns:p14="http://schemas.microsoft.com/office/powerpoint/2010/main" val="826009964"/>
       </p:ext>
     </p:extLst>
   </p:cSld>
@@ -1489,7 +1489,7 @@
     </p:spTree>
     <p:extLst>
       <p:ext uri="{BB962C8B-B14F-4D97-AF65-F5344CB8AC3E}">
-        <p14:creationId xmlns:p14="http://schemas.microsoft.com/office/powerpoint/2010/main" xmlns="" val="748044121"/>
+        <p14:creationId xmlns="" xmlns:p14="http://schemas.microsoft.com/office/powerpoint/2010/main" val="748044121"/>
       </p:ext>
     </p:extLst>
   </p:cSld>
@@ -1797,7 +1797,7 @@
     </p:spTree>
     <p:extLst>
       <p:ext uri="{BB962C8B-B14F-4D97-AF65-F5344CB8AC3E}">
-        <p14:creationId xmlns:p14="http://schemas.microsoft.com/office/powerpoint/2010/main" xmlns="" val="826009964"/>
+        <p14:creationId xmlns="" xmlns:p14="http://schemas.microsoft.com/office/powerpoint/2010/main" val="826009964"/>
       </p:ext>
     </p:extLst>
   </p:cSld>
@@ -2108,7 +2108,7 @@
     </p:spTree>
     <p:extLst>
       <p:ext uri="{BB962C8B-B14F-4D97-AF65-F5344CB8AC3E}">
-        <p14:creationId xmlns:p14="http://schemas.microsoft.com/office/powerpoint/2010/main" xmlns="" val="1490291718"/>
+        <p14:creationId xmlns="" xmlns:p14="http://schemas.microsoft.com/office/powerpoint/2010/main" val="1490291718"/>
       </p:ext>
     </p:extLst>
   </p:cSld>
@@ -2446,7 +2446,7 @@
             <a:blip r:embed="rId3">
               <a:extLst>
                 <a:ext uri="{28A0092B-C50C-407E-A947-70E740481C1C}">
-                  <a14:useLocalDpi xmlns:a14="http://schemas.microsoft.com/office/drawing/2010/main" xmlns="" val="0"/>
+                  <a14:useLocalDpi xmlns="" xmlns:a14="http://schemas.microsoft.com/office/drawing/2010/main" val="0"/>
                 </a:ext>
               </a:extLst>
             </a:blip>
@@ -2510,7 +2510,7 @@
     </p:spTree>
     <p:extLst>
       <p:ext uri="{BB962C8B-B14F-4D97-AF65-F5344CB8AC3E}">
-        <p14:creationId xmlns:p14="http://schemas.microsoft.com/office/powerpoint/2010/main" xmlns="" val="1980723131"/>
+        <p14:creationId xmlns="" xmlns:p14="http://schemas.microsoft.com/office/powerpoint/2010/main" val="1980723131"/>
       </p:ext>
     </p:extLst>
   </p:cSld>
@@ -3303,7 +3303,7 @@
     </p:spTree>
     <p:extLst>
       <p:ext uri="{BB962C8B-B14F-4D97-AF65-F5344CB8AC3E}">
-        <p14:creationId xmlns:p14="http://schemas.microsoft.com/office/powerpoint/2010/main" xmlns="" val="1353896245"/>
+        <p14:creationId xmlns="" xmlns:p14="http://schemas.microsoft.com/office/powerpoint/2010/main" val="1353896245"/>
       </p:ext>
     </p:extLst>
   </p:cSld>
@@ -3499,7 +3499,7 @@
     </p:spTree>
     <p:extLst>
       <p:ext uri="{BB962C8B-B14F-4D97-AF65-F5344CB8AC3E}">
-        <p14:creationId xmlns:p14="http://schemas.microsoft.com/office/powerpoint/2010/main" xmlns="" val="3262962747"/>
+        <p14:creationId xmlns="" xmlns:p14="http://schemas.microsoft.com/office/powerpoint/2010/main" val="3262962747"/>
       </p:ext>
     </p:extLst>
   </p:cSld>
@@ -3702,7 +3702,7 @@
             <a:blip r:embed="rId12">
               <a:extLst>
                 <a:ext uri="{28A0092B-C50C-407E-A947-70E740481C1C}">
-                  <a14:useLocalDpi xmlns:a14="http://schemas.microsoft.com/office/drawing/2010/main" xmlns="" val="0"/>
+                  <a14:useLocalDpi xmlns="" xmlns:a14="http://schemas.microsoft.com/office/drawing/2010/main" val="0"/>
                 </a:ext>
               </a:extLst>
             </a:blip>
@@ -4047,7 +4047,7 @@
           <a:blip r:embed="rId13">
             <a:extLst>
               <a:ext uri="{28A0092B-C50C-407E-A947-70E740481C1C}">
-                <a14:useLocalDpi xmlns:a14="http://schemas.microsoft.com/office/drawing/2010/main" xmlns="" val="0"/>
+                <a14:useLocalDpi xmlns="" xmlns:a14="http://schemas.microsoft.com/office/drawing/2010/main" val="0"/>
               </a:ext>
             </a:extLst>
           </a:blip>
@@ -7079,7 +7079,12 @@
             <p:ph idx="1"/>
           </p:nvPr>
         </p:nvSpPr>
-        <p:spPr/>
+        <p:spPr>
+          <a:xfrm>
+            <a:off x="323850" y="1812471"/>
+            <a:ext cx="8496300" cy="4421639"/>
+          </a:xfrm>
+        </p:spPr>
         <p:txBody>
           <a:bodyPr/>
           <a:lstStyle/>
@@ -7345,8 +7350,8 @@
         </p:nvCxnSpPr>
         <p:spPr>
           <a:xfrm rot="16200000" flipV="1">
-            <a:off x="1221747" y="3739908"/>
-            <a:ext cx="2153642" cy="1747152"/>
+            <a:off x="913741" y="4047915"/>
+            <a:ext cx="2153643" cy="1131140"/>
           </a:xfrm>
           <a:prstGeom prst="straightConnector1">
             <a:avLst/>
@@ -7420,7 +7425,7 @@
         </p:nvSpPr>
         <p:spPr>
           <a:xfrm>
-            <a:off x="2556132" y="5731762"/>
+            <a:off x="2278539" y="5731762"/>
             <a:ext cx="1441420" cy="369332"/>
           </a:xfrm>
           <a:prstGeom prst="rect">
@@ -7450,80 +7455,6 @@
           </a:p>
         </p:txBody>
       </p:sp>
-      <p:cxnSp>
-        <p:nvCxnSpPr>
-          <p:cNvPr id="39" name="Gerade Verbindung mit Pfeil 38"/>
-          <p:cNvCxnSpPr/>
-          <p:nvPr/>
-        </p:nvCxnSpPr>
-        <p:spPr>
-          <a:xfrm flipV="1">
-            <a:off x="1182333" y="4524863"/>
-            <a:ext cx="2533489" cy="1166237"/>
-          </a:xfrm>
-          <a:prstGeom prst="straightConnector1">
-            <a:avLst/>
-          </a:prstGeom>
-          <a:ln w="19050">
-            <a:solidFill>
-              <a:schemeClr val="tx1"/>
-            </a:solidFill>
-            <a:headEnd type="none" w="med" len="med"/>
-            <a:tailEnd type="arrow"/>
-          </a:ln>
-        </p:spPr>
-        <p:style>
-          <a:lnRef idx="1">
-            <a:schemeClr val="accent1"/>
-          </a:lnRef>
-          <a:fillRef idx="0">
-            <a:schemeClr val="accent1"/>
-          </a:fillRef>
-          <a:effectRef idx="0">
-            <a:schemeClr val="accent1"/>
-          </a:effectRef>
-          <a:fontRef idx="minor">
-            <a:schemeClr val="tx1"/>
-          </a:fontRef>
-        </p:style>
-      </p:cxnSp>
-      <p:cxnSp>
-        <p:nvCxnSpPr>
-          <p:cNvPr id="40" name="Gerade Verbindung mit Pfeil 39"/>
-          <p:cNvCxnSpPr/>
-          <p:nvPr/>
-        </p:nvCxnSpPr>
-        <p:spPr>
-          <a:xfrm rot="5400000" flipH="1" flipV="1">
-            <a:off x="2399822" y="4341647"/>
-            <a:ext cx="2120981" cy="576336"/>
-          </a:xfrm>
-          <a:prstGeom prst="straightConnector1">
-            <a:avLst/>
-          </a:prstGeom>
-          <a:ln w="19050">
-            <a:solidFill>
-              <a:schemeClr val="tx1"/>
-            </a:solidFill>
-            <a:headEnd type="none" w="med" len="med"/>
-            <a:tailEnd type="arrow"/>
-          </a:ln>
-        </p:spPr>
-        <p:style>
-          <a:lnRef idx="1">
-            <a:schemeClr val="accent1"/>
-          </a:lnRef>
-          <a:fillRef idx="0">
-            <a:schemeClr val="accent1"/>
-          </a:fillRef>
-          <a:effectRef idx="0">
-            <a:schemeClr val="accent1"/>
-          </a:effectRef>
-          <a:fontRef idx="minor">
-            <a:schemeClr val="tx1"/>
-          </a:fontRef>
-        </p:style>
-      </p:cxnSp>
       <p:sp>
         <p:nvSpPr>
           <p:cNvPr id="43" name="Textfeld 42"/>
